--- a/_PROMOCIJA/Predstavitev/GazePro - Predstavitev.pptx
+++ b/_PROMOCIJA/Predstavitev/GazePro - Predstavitev.pptx
@@ -5478,8 +5478,8 @@
         </p:nvSpPr>
         <p:spPr>
           <a:xfrm>
-            <a:off x="1751611" y="2195186"/>
-            <a:ext cx="10165278" cy="4524315"/>
+            <a:off x="2522460" y="2177677"/>
+            <a:ext cx="9669540" cy="4524315"/>
           </a:xfrm>
           <a:prstGeom prst="rect">
             <a:avLst/>
@@ -6058,7 +6058,18 @@
                 <a:ea typeface="Segoe UI Black" panose="020B0A02040204020203" pitchFamily="34" charset="0"/>
                 <a:cs typeface="Segoe UI" panose="020B0502040204020203" pitchFamily="34" charset="0"/>
               </a:rPr>
-              <a:t> če deluje za najboljše, deluje za vse</a:t>
+              <a:t> </a:t>
+            </a:r>
+            <a:r>
+              <a:rPr lang="pl-PL" sz="3200" b="1" dirty="0">
+                <a:solidFill>
+                  <a:srgbClr val="E06444"/>
+                </a:solidFill>
+                <a:latin typeface="Segoe UI Variable Small" pitchFamily="2" charset="0"/>
+                <a:ea typeface="Segoe UI Black" panose="020B0A02040204020203" pitchFamily="34" charset="0"/>
+                <a:cs typeface="Segoe UI" panose="020B0502040204020203" pitchFamily="34" charset="0"/>
+              </a:rPr>
+              <a:t>če deluje za najboljše, deluje za vse</a:t>
             </a:r>
             <a:r>
               <a:rPr lang="en-US" sz="3200" dirty="0">
@@ -6349,8 +6360,8 @@
         </p:nvSpPr>
         <p:spPr>
           <a:xfrm>
-            <a:off x="2162296" y="2379253"/>
-            <a:ext cx="9719953" cy="4031873"/>
+            <a:off x="5150518" y="2177677"/>
+            <a:ext cx="6984836" cy="4524315"/>
           </a:xfrm>
           <a:prstGeom prst="rect">
             <a:avLst/>
@@ -6826,6 +6837,42 @@
           <a:xfrm>
             <a:off x="11637816" y="78281"/>
             <a:ext cx="488867" cy="390919"/>
+          </a:xfrm>
+          <a:prstGeom prst="rect">
+            <a:avLst/>
+          </a:prstGeom>
+        </p:spPr>
+      </p:pic>
+      <p:pic>
+        <p:nvPicPr>
+          <p:cNvPr id="8" name="Picture 7">
+            <a:extLst>
+              <a:ext uri="{FF2B5EF4-FFF2-40B4-BE49-F238E27FC236}">
+                <a16:creationId xmlns:a16="http://schemas.microsoft.com/office/drawing/2014/main" id="{5B559860-9C66-4457-9C7F-793E451D998E}"/>
+              </a:ext>
+            </a:extLst>
+          </p:cNvPr>
+          <p:cNvPicPr>
+            <a:picLocks noChangeAspect="1"/>
+          </p:cNvPicPr>
+          <p:nvPr/>
+        </p:nvPicPr>
+        <p:blipFill>
+          <a:blip r:embed="rId5">
+            <a:extLst>
+              <a:ext uri="{28A0092B-C50C-407E-A947-70E740481C1C}">
+                <a14:useLocalDpi xmlns:a14="http://schemas.microsoft.com/office/drawing/2010/main" val="0"/>
+              </a:ext>
+            </a:extLst>
+          </a:blip>
+          <a:stretch>
+            <a:fillRect/>
+          </a:stretch>
+        </p:blipFill>
+        <p:spPr>
+          <a:xfrm>
+            <a:off x="1143445" y="2177677"/>
+            <a:ext cx="3881311" cy="4537156"/>
           </a:xfrm>
           <a:prstGeom prst="rect">
             <a:avLst/>
@@ -7518,7 +7565,7 @@
               <a:t> – </a:t>
             </a:r>
             <a:r>
-              <a:rPr lang="en-US" sz="3200" dirty="0" err="1">
+              <a:rPr lang="en-US" sz="3200" b="1" dirty="0" err="1">
                 <a:solidFill>
                   <a:srgbClr val="E06444"/>
                 </a:solidFill>
@@ -7529,18 +7576,18 @@
               <a:t>dejanske</a:t>
             </a:r>
             <a:r>
-              <a:rPr lang="en-US" sz="3200" dirty="0">
-                <a:solidFill>
-                  <a:srgbClr val="E06444"/>
-                </a:solidFill>
-                <a:latin typeface="Segoe UI Variable Small" pitchFamily="2" charset="0"/>
-                <a:ea typeface="Segoe UI Black" panose="020B0A02040204020203" pitchFamily="34" charset="0"/>
-                <a:cs typeface="Segoe UI" panose="020B0502040204020203" pitchFamily="34" charset="0"/>
-              </a:rPr>
-              <a:t> </a:t>
-            </a:r>
-            <a:r>
-              <a:rPr lang="en-US" sz="3200" dirty="0" err="1">
+              <a:rPr lang="en-US" sz="3200" b="1" dirty="0">
+                <a:solidFill>
+                  <a:srgbClr val="E06444"/>
+                </a:solidFill>
+                <a:latin typeface="Segoe UI Variable Small" pitchFamily="2" charset="0"/>
+                <a:ea typeface="Segoe UI Black" panose="020B0A02040204020203" pitchFamily="34" charset="0"/>
+                <a:cs typeface="Segoe UI" panose="020B0502040204020203" pitchFamily="34" charset="0"/>
+              </a:rPr>
+              <a:t> </a:t>
+            </a:r>
+            <a:r>
+              <a:rPr lang="en-US" sz="3200" b="1" dirty="0" err="1">
                 <a:solidFill>
                   <a:srgbClr val="E06444"/>
                 </a:solidFill>
@@ -7551,7 +7598,7 @@
               <a:t>potrebe</a:t>
             </a:r>
             <a:r>
-              <a:rPr lang="en-US" sz="3200" dirty="0">
+              <a:rPr lang="en-US" sz="3200" b="1" dirty="0">
                 <a:solidFill>
                   <a:srgbClr val="E06444"/>
                 </a:solidFill>
@@ -7562,7 +7609,7 @@
               <a:t>, ne le </a:t>
             </a:r>
             <a:r>
-              <a:rPr lang="en-US" sz="3200" dirty="0" err="1">
+              <a:rPr lang="en-US" sz="3200" b="1" dirty="0" err="1">
                 <a:solidFill>
                   <a:srgbClr val="E06444"/>
                 </a:solidFill>
